--- a/Segurança da Informação/Aula-05-ISO27001-Controles.pptx
+++ b/Segurança da Informação/Aula-05-ISO27001-Controles.pptx
@@ -361,7 +361,7 @@
           <a:p>
             <a:fld id="{5BCAD085-E8A6-8845-BD4E-CB4CCA059FC4}" type="datetimeFigureOut">
               <a:rPr lang="en-US" smtClean="0"/>
-              <a:t>9/8/2025</a:t>
+              <a:t>9/9/2025</a:t>
             </a:fld>
             <a:endParaRPr lang="en-US"/>
           </a:p>
@@ -569,7 +569,7 @@
           <a:p>
             <a:fld id="{5BCAD085-E8A6-8845-BD4E-CB4CCA059FC4}" type="datetimeFigureOut">
               <a:rPr lang="en-US" smtClean="0"/>
-              <a:t>9/8/2025</a:t>
+              <a:t>9/9/2025</a:t>
             </a:fld>
             <a:endParaRPr lang="en-US"/>
           </a:p>
@@ -825,7 +825,7 @@
           <a:p>
             <a:fld id="{5BCAD085-E8A6-8845-BD4E-CB4CCA059FC4}" type="datetimeFigureOut">
               <a:rPr lang="en-US" smtClean="0"/>
-              <a:t>9/8/2025</a:t>
+              <a:t>9/9/2025</a:t>
             </a:fld>
             <a:endParaRPr lang="en-US"/>
           </a:p>
@@ -1013,7 +1013,7 @@
           <a:p>
             <a:fld id="{5BCAD085-E8A6-8845-BD4E-CB4CCA059FC4}" type="datetimeFigureOut">
               <a:rPr lang="en-US" smtClean="0"/>
-              <a:t>9/8/2025</a:t>
+              <a:t>9/9/2025</a:t>
             </a:fld>
             <a:endParaRPr lang="en-US"/>
           </a:p>
@@ -1356,7 +1356,7 @@
           <a:p>
             <a:fld id="{5BCAD085-E8A6-8845-BD4E-CB4CCA059FC4}" type="datetimeFigureOut">
               <a:rPr lang="en-US" smtClean="0"/>
-              <a:t>9/8/2025</a:t>
+              <a:t>9/9/2025</a:t>
             </a:fld>
             <a:endParaRPr lang="en-US"/>
           </a:p>
@@ -1631,7 +1631,7 @@
           <a:p>
             <a:fld id="{5BCAD085-E8A6-8845-BD4E-CB4CCA059FC4}" type="datetimeFigureOut">
               <a:rPr lang="en-US" smtClean="0"/>
-              <a:t>9/8/2025</a:t>
+              <a:t>9/9/2025</a:t>
             </a:fld>
             <a:endParaRPr lang="en-US"/>
           </a:p>
@@ -2010,7 +2010,7 @@
           <a:p>
             <a:fld id="{5BCAD085-E8A6-8845-BD4E-CB4CCA059FC4}" type="datetimeFigureOut">
               <a:rPr lang="en-US" smtClean="0"/>
-              <a:t>9/8/2025</a:t>
+              <a:t>9/9/2025</a:t>
             </a:fld>
             <a:endParaRPr lang="en-US"/>
           </a:p>
@@ -2128,7 +2128,7 @@
           <a:p>
             <a:fld id="{5BCAD085-E8A6-8845-BD4E-CB4CCA059FC4}" type="datetimeFigureOut">
               <a:rPr lang="en-US" smtClean="0"/>
-              <a:t>9/8/2025</a:t>
+              <a:t>9/9/2025</a:t>
             </a:fld>
             <a:endParaRPr lang="en-US"/>
           </a:p>
@@ -2299,7 +2299,7 @@
           <a:p>
             <a:fld id="{5BCAD085-E8A6-8845-BD4E-CB4CCA059FC4}" type="datetimeFigureOut">
               <a:rPr lang="en-US" smtClean="0"/>
-              <a:t>9/8/2025</a:t>
+              <a:t>9/9/2025</a:t>
             </a:fld>
             <a:endParaRPr lang="en-US"/>
           </a:p>
@@ -2653,7 +2653,7 @@
           <a:p>
             <a:fld id="{5BCAD085-E8A6-8845-BD4E-CB4CCA059FC4}" type="datetimeFigureOut">
               <a:rPr lang="en-US" smtClean="0"/>
-              <a:t>9/8/2025</a:t>
+              <a:t>9/9/2025</a:t>
             </a:fld>
             <a:endParaRPr lang="en-US"/>
           </a:p>
@@ -3030,7 +3030,7 @@
           <a:p>
             <a:fld id="{5BCAD085-E8A6-8845-BD4E-CB4CCA059FC4}" type="datetimeFigureOut">
               <a:rPr lang="en-US" smtClean="0"/>
-              <a:t>9/8/2025</a:t>
+              <a:t>9/9/2025</a:t>
             </a:fld>
             <a:endParaRPr lang="en-US"/>
           </a:p>
@@ -3317,7 +3317,7 @@
           <a:p>
             <a:fld id="{5BCAD085-E8A6-8845-BD4E-CB4CCA059FC4}" type="datetimeFigureOut">
               <a:rPr lang="en-US" smtClean="0"/>
-              <a:t>9/8/2025</a:t>
+              <a:t>9/9/2025</a:t>
             </a:fld>
             <a:endParaRPr lang="en-US"/>
           </a:p>
@@ -5293,10 +5293,15 @@
             <p:ph sz="half" idx="1"/>
           </p:nvPr>
         </p:nvSpPr>
-        <p:spPr/>
+        <p:spPr>
+          <a:xfrm>
+            <a:off x="246888" y="1845734"/>
+            <a:ext cx="4279392" cy="4381328"/>
+          </a:xfrm>
+        </p:spPr>
         <p:txBody>
           <a:bodyPr anchor="ctr">
-            <a:normAutofit fontScale="62500" lnSpcReduction="20000"/>
+            <a:normAutofit fontScale="70000" lnSpcReduction="20000"/>
           </a:bodyPr>
           <a:lstStyle/>
           <a:p>
@@ -5360,10 +5365,15 @@
             <p:ph sz="half" idx="2"/>
           </p:nvPr>
         </p:nvSpPr>
-        <p:spPr/>
+        <p:spPr>
+          <a:xfrm>
+            <a:off x="4663440" y="1845734"/>
+            <a:ext cx="4279392" cy="4381329"/>
+          </a:xfrm>
+        </p:spPr>
         <p:txBody>
           <a:bodyPr>
-            <a:normAutofit fontScale="92500" lnSpcReduction="20000"/>
+            <a:normAutofit lnSpcReduction="10000"/>
           </a:bodyPr>
           <a:lstStyle/>
           <a:p>
